--- a/WorkloadIdentity/Kubernetes and AAD Workload Identity.pptx
+++ b/WorkloadIdentity/Kubernetes and AAD Workload Identity.pptx
@@ -5075,6 +5075,15 @@
                 <a:hlinkClick r:id="rId3"/>
               </a:rPr>
               <a:t>AAD Workload Identity (Preview)</a:t>
+            </a:r>
+            <a:endParaRPr lang="en-US" dirty="0"/>
+          </a:p>
+          <a:p>
+            <a:r>
+              <a:rPr lang="en-US" dirty="0">
+                <a:hlinkClick r:id="rId4"/>
+              </a:rPr>
+              <a:t>Setup</a:t>
             </a:r>
             <a:endParaRPr lang="en-US" dirty="0"/>
           </a:p>

--- a/WorkloadIdentity/Kubernetes and AAD Workload Identity.pptx
+++ b/WorkloadIdentity/Kubernetes and AAD Workload Identity.pptx
@@ -659,7 +659,7 @@
           <a:p>
             <a:fld id="{142538AF-590B-4120-89B2-BC826FA4555E}" type="datetimeFigureOut">
               <a:rPr lang="en-US" smtClean="0"/>
-              <a:t>12/22/2022</a:t>
+              <a:t>12/25/2022</a:t>
             </a:fld>
             <a:endParaRPr lang="en-US"/>
           </a:p>
@@ -1503,7 +1503,7 @@
           <a:p>
             <a:fld id="{EF8010DE-CED9-4871-AF73-2EDF2CF0FB17}" type="datetimeFigureOut">
               <a:rPr lang="en-US" smtClean="0"/>
-              <a:t>12/22/2022</a:t>
+              <a:t>12/25/2022</a:t>
             </a:fld>
             <a:endParaRPr lang="en-US"/>
           </a:p>
@@ -1701,7 +1701,7 @@
           <a:p>
             <a:fld id="{EF8010DE-CED9-4871-AF73-2EDF2CF0FB17}" type="datetimeFigureOut">
               <a:rPr lang="en-US" smtClean="0"/>
-              <a:t>12/22/2022</a:t>
+              <a:t>12/25/2022</a:t>
             </a:fld>
             <a:endParaRPr lang="en-US"/>
           </a:p>
@@ -1909,7 +1909,7 @@
           <a:p>
             <a:fld id="{EF8010DE-CED9-4871-AF73-2EDF2CF0FB17}" type="datetimeFigureOut">
               <a:rPr lang="en-US" smtClean="0"/>
-              <a:t>12/22/2022</a:t>
+              <a:t>12/25/2022</a:t>
             </a:fld>
             <a:endParaRPr lang="en-US"/>
           </a:p>
@@ -2107,7 +2107,7 @@
           <a:p>
             <a:fld id="{EF8010DE-CED9-4871-AF73-2EDF2CF0FB17}" type="datetimeFigureOut">
               <a:rPr lang="en-US" smtClean="0"/>
-              <a:t>12/22/2022</a:t>
+              <a:t>12/25/2022</a:t>
             </a:fld>
             <a:endParaRPr lang="en-US"/>
           </a:p>
@@ -2382,7 +2382,7 @@
           <a:p>
             <a:fld id="{EF8010DE-CED9-4871-AF73-2EDF2CF0FB17}" type="datetimeFigureOut">
               <a:rPr lang="en-US" smtClean="0"/>
-              <a:t>12/22/2022</a:t>
+              <a:t>12/25/2022</a:t>
             </a:fld>
             <a:endParaRPr lang="en-US"/>
           </a:p>
@@ -2647,7 +2647,7 @@
           <a:p>
             <a:fld id="{EF8010DE-CED9-4871-AF73-2EDF2CF0FB17}" type="datetimeFigureOut">
               <a:rPr lang="en-US" smtClean="0"/>
-              <a:t>12/22/2022</a:t>
+              <a:t>12/25/2022</a:t>
             </a:fld>
             <a:endParaRPr lang="en-US"/>
           </a:p>
@@ -3059,7 +3059,7 @@
           <a:p>
             <a:fld id="{EF8010DE-CED9-4871-AF73-2EDF2CF0FB17}" type="datetimeFigureOut">
               <a:rPr lang="en-US" smtClean="0"/>
-              <a:t>12/22/2022</a:t>
+              <a:t>12/25/2022</a:t>
             </a:fld>
             <a:endParaRPr lang="en-US"/>
           </a:p>
@@ -3200,7 +3200,7 @@
           <a:p>
             <a:fld id="{EF8010DE-CED9-4871-AF73-2EDF2CF0FB17}" type="datetimeFigureOut">
               <a:rPr lang="en-US" smtClean="0"/>
-              <a:t>12/22/2022</a:t>
+              <a:t>12/25/2022</a:t>
             </a:fld>
             <a:endParaRPr lang="en-US"/>
           </a:p>
@@ -3313,7 +3313,7 @@
           <a:p>
             <a:fld id="{EF8010DE-CED9-4871-AF73-2EDF2CF0FB17}" type="datetimeFigureOut">
               <a:rPr lang="en-US" smtClean="0"/>
-              <a:t>12/22/2022</a:t>
+              <a:t>12/25/2022</a:t>
             </a:fld>
             <a:endParaRPr lang="en-US"/>
           </a:p>
@@ -3624,7 +3624,7 @@
           <a:p>
             <a:fld id="{EF8010DE-CED9-4871-AF73-2EDF2CF0FB17}" type="datetimeFigureOut">
               <a:rPr lang="en-US" smtClean="0"/>
-              <a:t>12/22/2022</a:t>
+              <a:t>12/25/2022</a:t>
             </a:fld>
             <a:endParaRPr lang="en-US"/>
           </a:p>
@@ -3912,7 +3912,7 @@
           <a:p>
             <a:fld id="{EF8010DE-CED9-4871-AF73-2EDF2CF0FB17}" type="datetimeFigureOut">
               <a:rPr lang="en-US" smtClean="0"/>
-              <a:t>12/22/2022</a:t>
+              <a:t>12/25/2022</a:t>
             </a:fld>
             <a:endParaRPr lang="en-US"/>
           </a:p>
@@ -4153,7 +4153,7 @@
           <a:p>
             <a:fld id="{EF8010DE-CED9-4871-AF73-2EDF2CF0FB17}" type="datetimeFigureOut">
               <a:rPr lang="en-US" smtClean="0"/>
-              <a:t>12/22/2022</a:t>
+              <a:t>12/25/2022</a:t>
             </a:fld>
             <a:endParaRPr lang="en-US"/>
           </a:p>
@@ -4969,13 +4969,22 @@
           <a:p>
             <a:r>
               <a:rPr lang="en-US" dirty="0"/>
-              <a:t>Webhook vs </a:t>
-            </a:r>
-            <a:r>
-              <a:rPr lang="en-US"/>
-              <a:t>volume mount?</a:t>
-            </a:r>
-            <a:endParaRPr lang="en-US" dirty="0"/>
+              <a:t>Webhook vs volume mount?</a:t>
+            </a:r>
+          </a:p>
+          <a:p>
+            <a:r>
+              <a:rPr lang="en-US" dirty="0"/>
+              <a:t>Installing </a:t>
+            </a:r>
+            <a:r>
+              <a:rPr lang="en-US" dirty="0" err="1"/>
+              <a:t>azwi</a:t>
+            </a:r>
+            <a:r>
+              <a:rPr lang="en-US" dirty="0"/>
+              <a:t> on Windows?</a:t>
+            </a:r>
           </a:p>
           <a:p>
             <a:endParaRPr lang="en-US" dirty="0"/>
@@ -5084,6 +5093,33 @@
                 <a:hlinkClick r:id="rId4"/>
               </a:rPr>
               <a:t>Setup</a:t>
+            </a:r>
+            <a:endParaRPr lang="en-US" dirty="0"/>
+          </a:p>
+          <a:p>
+            <a:r>
+              <a:rPr lang="en-US" dirty="0">
+                <a:hlinkClick r:id="rId5"/>
+              </a:rPr>
+              <a:t>Sample</a:t>
+            </a:r>
+            <a:endParaRPr lang="en-US" dirty="0"/>
+          </a:p>
+          <a:p>
+            <a:r>
+              <a:rPr lang="en-US" dirty="0">
+                <a:hlinkClick r:id="rId6"/>
+              </a:rPr>
+              <a:t>My sample</a:t>
+            </a:r>
+            <a:endParaRPr lang="en-US" dirty="0"/>
+          </a:p>
+          <a:p>
+            <a:r>
+              <a:rPr lang="en-US" dirty="0">
+                <a:hlinkClick r:id="rId7"/>
+              </a:rPr>
+              <a:t>Deployment with self-managed clusters</a:t>
             </a:r>
             <a:endParaRPr lang="en-US" dirty="0"/>
           </a:p>
